--- a/lectures/big-oh/241-bigoh.pptx
+++ b/lectures/big-oh/241-bigoh.pptx
@@ -585,7 +585,7 @@
           <a:p>
             <a:fld id="{F8E94EDD-C6B1-F54A-9FB8-529A9C70E247}" type="datetimeFigureOut">
               <a:rPr lang="en-US" smtClean="0"/>
-              <a:t>1/25/24</a:t>
+              <a:t>1/30/24</a:t>
             </a:fld>
             <a:endParaRPr lang="en-US"/>
           </a:p>
@@ -755,7 +755,7 @@
           <a:p>
             <a:fld id="{F8E94EDD-C6B1-F54A-9FB8-529A9C70E247}" type="datetimeFigureOut">
               <a:rPr lang="en-US" smtClean="0"/>
-              <a:t>1/25/24</a:t>
+              <a:t>1/30/24</a:t>
             </a:fld>
             <a:endParaRPr lang="en-US"/>
           </a:p>
@@ -935,7 +935,7 @@
           <a:p>
             <a:fld id="{F8E94EDD-C6B1-F54A-9FB8-529A9C70E247}" type="datetimeFigureOut">
               <a:rPr lang="en-US" smtClean="0"/>
-              <a:t>1/25/24</a:t>
+              <a:t>1/30/24</a:t>
             </a:fld>
             <a:endParaRPr lang="en-US"/>
           </a:p>
@@ -1115,7 +1115,7 @@
           <a:p>
             <a:fld id="{F8E94EDD-C6B1-F54A-9FB8-529A9C70E247}" type="datetimeFigureOut">
               <a:rPr lang="en-US" smtClean="0"/>
-              <a:t>1/25/24</a:t>
+              <a:t>1/30/24</a:t>
             </a:fld>
             <a:endParaRPr lang="en-US"/>
           </a:p>
@@ -1359,7 +1359,7 @@
           <a:p>
             <a:fld id="{F8E94EDD-C6B1-F54A-9FB8-529A9C70E247}" type="datetimeFigureOut">
               <a:rPr lang="en-US" smtClean="0"/>
-              <a:t>1/25/24</a:t>
+              <a:t>1/30/24</a:t>
             </a:fld>
             <a:endParaRPr lang="en-US"/>
           </a:p>
@@ -1591,7 +1591,7 @@
           <a:p>
             <a:fld id="{F8E94EDD-C6B1-F54A-9FB8-529A9C70E247}" type="datetimeFigureOut">
               <a:rPr lang="en-US" smtClean="0"/>
-              <a:t>1/25/24</a:t>
+              <a:t>1/30/24</a:t>
             </a:fld>
             <a:endParaRPr lang="en-US"/>
           </a:p>
@@ -1958,7 +1958,7 @@
           <a:p>
             <a:fld id="{F8E94EDD-C6B1-F54A-9FB8-529A9C70E247}" type="datetimeFigureOut">
               <a:rPr lang="en-US" smtClean="0"/>
-              <a:t>1/25/24</a:t>
+              <a:t>1/30/24</a:t>
             </a:fld>
             <a:endParaRPr lang="en-US"/>
           </a:p>
@@ -2076,7 +2076,7 @@
           <a:p>
             <a:fld id="{F8E94EDD-C6B1-F54A-9FB8-529A9C70E247}" type="datetimeFigureOut">
               <a:rPr lang="en-US" smtClean="0"/>
-              <a:t>1/25/24</a:t>
+              <a:t>1/30/24</a:t>
             </a:fld>
             <a:endParaRPr lang="en-US"/>
           </a:p>
@@ -2171,7 +2171,7 @@
           <a:p>
             <a:fld id="{F8E94EDD-C6B1-F54A-9FB8-529A9C70E247}" type="datetimeFigureOut">
               <a:rPr lang="en-US" smtClean="0"/>
-              <a:t>1/25/24</a:t>
+              <a:t>1/30/24</a:t>
             </a:fld>
             <a:endParaRPr lang="en-US"/>
           </a:p>
@@ -2448,7 +2448,7 @@
           <a:p>
             <a:fld id="{F8E94EDD-C6B1-F54A-9FB8-529A9C70E247}" type="datetimeFigureOut">
               <a:rPr lang="en-US" smtClean="0"/>
-              <a:t>1/25/24</a:t>
+              <a:t>1/30/24</a:t>
             </a:fld>
             <a:endParaRPr lang="en-US"/>
           </a:p>
@@ -2705,7 +2705,7 @@
           <a:p>
             <a:fld id="{F8E94EDD-C6B1-F54A-9FB8-529A9C70E247}" type="datetimeFigureOut">
               <a:rPr lang="en-US" smtClean="0"/>
-              <a:t>1/25/24</a:t>
+              <a:t>1/30/24</a:t>
             </a:fld>
             <a:endParaRPr lang="en-US"/>
           </a:p>
@@ -2918,7 +2918,7 @@
           <a:p>
             <a:fld id="{F8E94EDD-C6B1-F54A-9FB8-529A9C70E247}" type="datetimeFigureOut">
               <a:rPr lang="en-US" smtClean="0"/>
-              <a:t>1/25/24</a:t>
+              <a:t>1/30/24</a:t>
             </a:fld>
             <a:endParaRPr lang="en-US"/>
           </a:p>
